--- a/capstone_ppt_tushar_bawankar.pptx
+++ b/capstone_ppt_tushar_bawankar.pptx
@@ -9,7 +9,7 @@
     <p:sldId id="257" r:id="rId3"/>
     <p:sldId id="258" r:id="rId4"/>
     <p:sldId id="260" r:id="rId5"/>
-    <p:sldId id="261" r:id="rId6"/>
+    <p:sldId id="276" r:id="rId6"/>
     <p:sldId id="263" r:id="rId7"/>
     <p:sldId id="265" r:id="rId8"/>
     <p:sldId id="271" r:id="rId9"/>
@@ -276,9 +276,9 @@
           <a:p>
             <a:fld id="{6D3052E0-193B-4471-BAD0-B156ECCE0645}" type="datetimeFigureOut">
               <a:rPr lang="en-IN" smtClean="0"/>
-              <a:t>29-04-2023</a:t>
+              <a:t>10-05-2023</a:t>
             </a:fld>
-            <a:endParaRPr lang="en-IN"/>
+            <a:endParaRPr lang="en-IN" dirty="0"/>
           </a:p>
         </p:txBody>
       </p:sp>
@@ -303,7 +303,7 @@
           <a:bodyPr/>
           <a:lstStyle/>
           <a:p>
-            <a:endParaRPr lang="en-IN"/>
+            <a:endParaRPr lang="en-IN" dirty="0"/>
           </a:p>
         </p:txBody>
       </p:sp>
@@ -332,7 +332,7 @@
               <a:rPr lang="en-IN" smtClean="0"/>
               <a:t>‹#›</a:t>
             </a:fld>
-            <a:endParaRPr lang="en-IN"/>
+            <a:endParaRPr lang="en-IN" dirty="0"/>
           </a:p>
         </p:txBody>
       </p:sp>
@@ -476,9 +476,9 @@
           <a:p>
             <a:fld id="{6D3052E0-193B-4471-BAD0-B156ECCE0645}" type="datetimeFigureOut">
               <a:rPr lang="en-IN" smtClean="0"/>
-              <a:t>29-04-2023</a:t>
+              <a:t>10-05-2023</a:t>
             </a:fld>
-            <a:endParaRPr lang="en-IN"/>
+            <a:endParaRPr lang="en-IN" dirty="0"/>
           </a:p>
         </p:txBody>
       </p:sp>
@@ -503,7 +503,7 @@
           <a:bodyPr/>
           <a:lstStyle/>
           <a:p>
-            <a:endParaRPr lang="en-IN"/>
+            <a:endParaRPr lang="en-IN" dirty="0"/>
           </a:p>
         </p:txBody>
       </p:sp>
@@ -532,7 +532,7 @@
               <a:rPr lang="en-IN" smtClean="0"/>
               <a:t>‹#›</a:t>
             </a:fld>
-            <a:endParaRPr lang="en-IN"/>
+            <a:endParaRPr lang="en-IN" dirty="0"/>
           </a:p>
         </p:txBody>
       </p:sp>
@@ -686,9 +686,9 @@
           <a:p>
             <a:fld id="{6D3052E0-193B-4471-BAD0-B156ECCE0645}" type="datetimeFigureOut">
               <a:rPr lang="en-IN" smtClean="0"/>
-              <a:t>29-04-2023</a:t>
+              <a:t>10-05-2023</a:t>
             </a:fld>
-            <a:endParaRPr lang="en-IN"/>
+            <a:endParaRPr lang="en-IN" dirty="0"/>
           </a:p>
         </p:txBody>
       </p:sp>
@@ -713,7 +713,7 @@
           <a:bodyPr/>
           <a:lstStyle/>
           <a:p>
-            <a:endParaRPr lang="en-IN"/>
+            <a:endParaRPr lang="en-IN" dirty="0"/>
           </a:p>
         </p:txBody>
       </p:sp>
@@ -742,7 +742,7 @@
               <a:rPr lang="en-IN" smtClean="0"/>
               <a:t>‹#›</a:t>
             </a:fld>
-            <a:endParaRPr lang="en-IN"/>
+            <a:endParaRPr lang="en-IN" dirty="0"/>
           </a:p>
         </p:txBody>
       </p:sp>
@@ -886,9 +886,9 @@
           <a:p>
             <a:fld id="{6D3052E0-193B-4471-BAD0-B156ECCE0645}" type="datetimeFigureOut">
               <a:rPr lang="en-IN" smtClean="0"/>
-              <a:t>29-04-2023</a:t>
+              <a:t>10-05-2023</a:t>
             </a:fld>
-            <a:endParaRPr lang="en-IN"/>
+            <a:endParaRPr lang="en-IN" dirty="0"/>
           </a:p>
         </p:txBody>
       </p:sp>
@@ -913,7 +913,7 @@
           <a:bodyPr/>
           <a:lstStyle/>
           <a:p>
-            <a:endParaRPr lang="en-IN"/>
+            <a:endParaRPr lang="en-IN" dirty="0"/>
           </a:p>
         </p:txBody>
       </p:sp>
@@ -942,7 +942,7 @@
               <a:rPr lang="en-IN" smtClean="0"/>
               <a:t>‹#›</a:t>
             </a:fld>
-            <a:endParaRPr lang="en-IN"/>
+            <a:endParaRPr lang="en-IN" dirty="0"/>
           </a:p>
         </p:txBody>
       </p:sp>
@@ -1162,9 +1162,9 @@
           <a:p>
             <a:fld id="{6D3052E0-193B-4471-BAD0-B156ECCE0645}" type="datetimeFigureOut">
               <a:rPr lang="en-IN" smtClean="0"/>
-              <a:t>29-04-2023</a:t>
+              <a:t>10-05-2023</a:t>
             </a:fld>
-            <a:endParaRPr lang="en-IN"/>
+            <a:endParaRPr lang="en-IN" dirty="0"/>
           </a:p>
         </p:txBody>
       </p:sp>
@@ -1189,7 +1189,7 @@
           <a:bodyPr/>
           <a:lstStyle/>
           <a:p>
-            <a:endParaRPr lang="en-IN"/>
+            <a:endParaRPr lang="en-IN" dirty="0"/>
           </a:p>
         </p:txBody>
       </p:sp>
@@ -1218,7 +1218,7 @@
               <a:rPr lang="en-IN" smtClean="0"/>
               <a:t>‹#›</a:t>
             </a:fld>
-            <a:endParaRPr lang="en-IN"/>
+            <a:endParaRPr lang="en-IN" dirty="0"/>
           </a:p>
         </p:txBody>
       </p:sp>
@@ -1430,9 +1430,9 @@
           <a:p>
             <a:fld id="{6D3052E0-193B-4471-BAD0-B156ECCE0645}" type="datetimeFigureOut">
               <a:rPr lang="en-IN" smtClean="0"/>
-              <a:t>29-04-2023</a:t>
+              <a:t>10-05-2023</a:t>
             </a:fld>
-            <a:endParaRPr lang="en-IN"/>
+            <a:endParaRPr lang="en-IN" dirty="0"/>
           </a:p>
         </p:txBody>
       </p:sp>
@@ -1457,7 +1457,7 @@
           <a:bodyPr/>
           <a:lstStyle/>
           <a:p>
-            <a:endParaRPr lang="en-IN"/>
+            <a:endParaRPr lang="en-IN" dirty="0"/>
           </a:p>
         </p:txBody>
       </p:sp>
@@ -1486,7 +1486,7 @@
               <a:rPr lang="en-IN" smtClean="0"/>
               <a:t>‹#›</a:t>
             </a:fld>
-            <a:endParaRPr lang="en-IN"/>
+            <a:endParaRPr lang="en-IN" dirty="0"/>
           </a:p>
         </p:txBody>
       </p:sp>
@@ -1845,9 +1845,9 @@
           <a:p>
             <a:fld id="{6D3052E0-193B-4471-BAD0-B156ECCE0645}" type="datetimeFigureOut">
               <a:rPr lang="en-IN" smtClean="0"/>
-              <a:t>29-04-2023</a:t>
+              <a:t>10-05-2023</a:t>
             </a:fld>
-            <a:endParaRPr lang="en-IN"/>
+            <a:endParaRPr lang="en-IN" dirty="0"/>
           </a:p>
         </p:txBody>
       </p:sp>
@@ -1872,7 +1872,7 @@
           <a:bodyPr/>
           <a:lstStyle/>
           <a:p>
-            <a:endParaRPr lang="en-IN"/>
+            <a:endParaRPr lang="en-IN" dirty="0"/>
           </a:p>
         </p:txBody>
       </p:sp>
@@ -1901,7 +1901,7 @@
               <a:rPr lang="en-IN" smtClean="0"/>
               <a:t>‹#›</a:t>
             </a:fld>
-            <a:endParaRPr lang="en-IN"/>
+            <a:endParaRPr lang="en-IN" dirty="0"/>
           </a:p>
         </p:txBody>
       </p:sp>
@@ -1987,9 +1987,9 @@
           <a:p>
             <a:fld id="{6D3052E0-193B-4471-BAD0-B156ECCE0645}" type="datetimeFigureOut">
               <a:rPr lang="en-IN" smtClean="0"/>
-              <a:t>29-04-2023</a:t>
+              <a:t>10-05-2023</a:t>
             </a:fld>
-            <a:endParaRPr lang="en-IN"/>
+            <a:endParaRPr lang="en-IN" dirty="0"/>
           </a:p>
         </p:txBody>
       </p:sp>
@@ -2014,7 +2014,7 @@
           <a:bodyPr/>
           <a:lstStyle/>
           <a:p>
-            <a:endParaRPr lang="en-IN"/>
+            <a:endParaRPr lang="en-IN" dirty="0"/>
           </a:p>
         </p:txBody>
       </p:sp>
@@ -2043,7 +2043,7 @@
               <a:rPr lang="en-IN" smtClean="0"/>
               <a:t>‹#›</a:t>
             </a:fld>
-            <a:endParaRPr lang="en-IN"/>
+            <a:endParaRPr lang="en-IN" dirty="0"/>
           </a:p>
         </p:txBody>
       </p:sp>
@@ -2100,9 +2100,9 @@
           <a:p>
             <a:fld id="{6D3052E0-193B-4471-BAD0-B156ECCE0645}" type="datetimeFigureOut">
               <a:rPr lang="en-IN" smtClean="0"/>
-              <a:t>29-04-2023</a:t>
+              <a:t>10-05-2023</a:t>
             </a:fld>
-            <a:endParaRPr lang="en-IN"/>
+            <a:endParaRPr lang="en-IN" dirty="0"/>
           </a:p>
         </p:txBody>
       </p:sp>
@@ -2127,7 +2127,7 @@
           <a:bodyPr/>
           <a:lstStyle/>
           <a:p>
-            <a:endParaRPr lang="en-IN"/>
+            <a:endParaRPr lang="en-IN" dirty="0"/>
           </a:p>
         </p:txBody>
       </p:sp>
@@ -2156,7 +2156,7 @@
               <a:rPr lang="en-IN" smtClean="0"/>
               <a:t>‹#›</a:t>
             </a:fld>
-            <a:endParaRPr lang="en-IN"/>
+            <a:endParaRPr lang="en-IN" dirty="0"/>
           </a:p>
         </p:txBody>
       </p:sp>
@@ -2413,9 +2413,9 @@
           <a:p>
             <a:fld id="{6D3052E0-193B-4471-BAD0-B156ECCE0645}" type="datetimeFigureOut">
               <a:rPr lang="en-IN" smtClean="0"/>
-              <a:t>29-04-2023</a:t>
+              <a:t>10-05-2023</a:t>
             </a:fld>
-            <a:endParaRPr lang="en-IN"/>
+            <a:endParaRPr lang="en-IN" dirty="0"/>
           </a:p>
         </p:txBody>
       </p:sp>
@@ -2440,7 +2440,7 @@
           <a:bodyPr/>
           <a:lstStyle/>
           <a:p>
-            <a:endParaRPr lang="en-IN"/>
+            <a:endParaRPr lang="en-IN" dirty="0"/>
           </a:p>
         </p:txBody>
       </p:sp>
@@ -2469,7 +2469,7 @@
               <a:rPr lang="en-IN" smtClean="0"/>
               <a:t>‹#›</a:t>
             </a:fld>
-            <a:endParaRPr lang="en-IN"/>
+            <a:endParaRPr lang="en-IN" dirty="0"/>
           </a:p>
         </p:txBody>
       </p:sp>
@@ -2605,10 +2605,10 @@
           </a:lstStyle>
           <a:p>
             <a:r>
-              <a:rPr lang="en-US"/>
+              <a:rPr lang="en-US" dirty="0"/>
               <a:t>Click icon to add picture</a:t>
             </a:r>
-            <a:endParaRPr lang="en-IN"/>
+            <a:endParaRPr lang="en-IN" dirty="0"/>
           </a:p>
         </p:txBody>
       </p:sp>
@@ -2706,9 +2706,9 @@
           <a:p>
             <a:fld id="{6D3052E0-193B-4471-BAD0-B156ECCE0645}" type="datetimeFigureOut">
               <a:rPr lang="en-IN" smtClean="0"/>
-              <a:t>29-04-2023</a:t>
+              <a:t>10-05-2023</a:t>
             </a:fld>
-            <a:endParaRPr lang="en-IN"/>
+            <a:endParaRPr lang="en-IN" dirty="0"/>
           </a:p>
         </p:txBody>
       </p:sp>
@@ -2733,7 +2733,7 @@
           <a:bodyPr/>
           <a:lstStyle/>
           <a:p>
-            <a:endParaRPr lang="en-IN"/>
+            <a:endParaRPr lang="en-IN" dirty="0"/>
           </a:p>
         </p:txBody>
       </p:sp>
@@ -2762,7 +2762,7 @@
               <a:rPr lang="en-IN" smtClean="0"/>
               <a:t>‹#›</a:t>
             </a:fld>
-            <a:endParaRPr lang="en-IN"/>
+            <a:endParaRPr lang="en-IN" dirty="0"/>
           </a:p>
         </p:txBody>
       </p:sp>
@@ -2949,9 +2949,9 @@
           <a:p>
             <a:fld id="{6D3052E0-193B-4471-BAD0-B156ECCE0645}" type="datetimeFigureOut">
               <a:rPr lang="en-IN" smtClean="0"/>
-              <a:t>29-04-2023</a:t>
+              <a:t>10-05-2023</a:t>
             </a:fld>
-            <a:endParaRPr lang="en-IN"/>
+            <a:endParaRPr lang="en-IN" dirty="0"/>
           </a:p>
         </p:txBody>
       </p:sp>
@@ -2994,7 +2994,7 @@
             </a:lvl1pPr>
           </a:lstStyle>
           <a:p>
-            <a:endParaRPr lang="en-IN"/>
+            <a:endParaRPr lang="en-IN" dirty="0"/>
           </a:p>
         </p:txBody>
       </p:sp>
@@ -3041,7 +3041,7 @@
               <a:rPr lang="en-IN" smtClean="0"/>
               <a:t>‹#›</a:t>
             </a:fld>
-            <a:endParaRPr lang="en-IN"/>
+            <a:endParaRPr lang="en-IN" dirty="0"/>
           </a:p>
         </p:txBody>
       </p:sp>
@@ -3493,7 +3493,7 @@
                 <a:latin typeface="Times New Roman" panose="02020603050405020304" pitchFamily="18" charset="0"/>
                 <a:ea typeface="Arial" panose="020B0604020202020204" pitchFamily="34" charset="0"/>
               </a:rPr>
-              <a:t>Project</a:t>
+              <a:t>Project on Employee Data Retrieval</a:t>
             </a:r>
             <a:endParaRPr lang="en-IN" sz="1200" dirty="0">
               <a:effectLst/>
@@ -7748,7 +7748,7 @@
                 <a:latin typeface="Times New Roman" panose="02020603050405020304" pitchFamily="18" charset="0"/>
                 <a:cs typeface="Times New Roman" panose="02020603050405020304" pitchFamily="18" charset="0"/>
               </a:rPr>
-              <a:t>Problem Statement: Traditional methods of storing and accessing sensitive employee data can be cumbersome and time-consuming.</a:t>
+              <a:t>Problem Statement: Many companies have sensitive employee data that needs to be accessed securely. Traditional methods of storing and accessing sensitive employee data can be cumbersome and time-consuming.</a:t>
             </a:r>
           </a:p>
           <a:p>
@@ -8152,8 +8152,8 @@
         </p:nvSpPr>
         <p:spPr>
           <a:xfrm>
-            <a:off x="798023" y="1710136"/>
-            <a:ext cx="10520209" cy="4197559"/>
+            <a:off x="798023" y="1358448"/>
+            <a:ext cx="10520209" cy="4993931"/>
           </a:xfrm>
           <a:prstGeom prst="rect">
             <a:avLst/>
@@ -8168,7 +8168,7 @@
           <a:p>
             <a:pPr marL="285750" indent="-285750" algn="just">
               <a:lnSpc>
-                <a:spcPct val="150000"/>
+                <a:spcPct val="200000"/>
               </a:lnSpc>
               <a:buFont typeface="Wingdings" panose="05000000000000000000" pitchFamily="2" charset="2"/>
               <a:buChar char="§"/>
@@ -8185,7 +8185,7 @@
           <a:p>
             <a:pPr marL="285750" indent="-285750" algn="just">
               <a:lnSpc>
-                <a:spcPct val="150000"/>
+                <a:spcPct val="200000"/>
               </a:lnSpc>
               <a:buFont typeface="Wingdings" panose="05000000000000000000" pitchFamily="2" charset="2"/>
               <a:buChar char="§"/>
@@ -8196,13 +8196,13 @@
                 <a:latin typeface="Times New Roman" panose="02020603050405020304" pitchFamily="18" charset="0"/>
                 <a:cs typeface="Times New Roman" panose="02020603050405020304" pitchFamily="18" charset="0"/>
               </a:rPr>
-              <a:t>The web service API receives requests from clients, which are secured using Bouncy Castle security provider and AES-256 encryption algorithm.</a:t>
+              <a:t>The web service API receives requests from clients, which are secured using AES-256 encryption algorithm.</a:t>
             </a:r>
           </a:p>
           <a:p>
             <a:pPr marL="285750" indent="-285750" algn="just">
               <a:lnSpc>
-                <a:spcPct val="150000"/>
+                <a:spcPct val="200000"/>
               </a:lnSpc>
               <a:buFont typeface="Wingdings" panose="05000000000000000000" pitchFamily="2" charset="2"/>
               <a:buChar char="§"/>
@@ -8219,7 +8219,7 @@
           <a:p>
             <a:pPr marL="285750" indent="-285750" algn="just">
               <a:lnSpc>
-                <a:spcPct val="150000"/>
+                <a:spcPct val="200000"/>
               </a:lnSpc>
               <a:buFont typeface="Wingdings" panose="05000000000000000000" pitchFamily="2" charset="2"/>
               <a:buChar char="§"/>
@@ -8236,7 +8236,7 @@
           <a:p>
             <a:pPr marL="285750" indent="-285750" algn="just">
               <a:lnSpc>
-                <a:spcPct val="150000"/>
+                <a:spcPct val="200000"/>
               </a:lnSpc>
               <a:buFont typeface="Wingdings" panose="05000000000000000000" pitchFamily="2" charset="2"/>
               <a:buChar char="§"/>
@@ -8282,42 +8282,6 @@
           <a:chExt cx="0" cy="0"/>
         </a:xfrm>
       </p:grpSpPr>
-      <p:pic>
-        <p:nvPicPr>
-          <p:cNvPr id="4" name="Picture 3">
-            <a:extLst>
-              <a:ext uri="{FF2B5EF4-FFF2-40B4-BE49-F238E27FC236}">
-                <a16:creationId xmlns:a16="http://schemas.microsoft.com/office/drawing/2014/main" id="{3893C3C6-E6B4-0EAA-6168-B66B664B265B}"/>
-              </a:ext>
-            </a:extLst>
-          </p:cNvPr>
-          <p:cNvPicPr>
-            <a:picLocks noGrp="1" noRot="1" noChangeAspect="1" noMove="1" noResize="1" noEditPoints="1" noAdjustHandles="1" noChangeArrowheads="1" noChangeShapeType="1" noCrop="1"/>
-          </p:cNvPicPr>
-          <p:nvPr/>
-        </p:nvPicPr>
-        <p:blipFill>
-          <a:blip r:embed="rId2" cstate="email">
-            <a:extLst>
-              <a:ext uri="{28A0092B-C50C-407E-A947-70E740481C1C}">
-                <a14:useLocalDpi xmlns:a14="http://schemas.microsoft.com/office/drawing/2010/main"/>
-              </a:ext>
-            </a:extLst>
-          </a:blip>
-          <a:stretch>
-            <a:fillRect/>
-          </a:stretch>
-        </p:blipFill>
-        <p:spPr>
-          <a:xfrm flipH="1">
-            <a:off x="0" y="0"/>
-            <a:ext cx="12192000" cy="6858000"/>
-          </a:xfrm>
-          <a:prstGeom prst="rect">
-            <a:avLst/>
-          </a:prstGeom>
-        </p:spPr>
-      </p:pic>
       <p:cxnSp>
         <p:nvCxnSpPr>
           <p:cNvPr id="5" name="Straight Connector 4">
@@ -8376,7 +8340,7 @@
           <p:nvPr/>
         </p:nvPicPr>
         <p:blipFill>
-          <a:blip r:embed="rId3">
+          <a:blip r:embed="rId2">
             <a:extLst>
               <a:ext uri="{28A0092B-C50C-407E-A947-70E740481C1C}">
                 <a14:useLocalDpi xmlns:a14="http://schemas.microsoft.com/office/drawing/2010/main" val="0"/>
@@ -8452,608 +8416,95 @@
       </p:sp>
       <p:sp>
         <p:nvSpPr>
-          <p:cNvPr id="9" name="Rectangle: Rounded Corners 8">
-            <a:extLst>
-              <a:ext uri="{FF2B5EF4-FFF2-40B4-BE49-F238E27FC236}">
-                <a16:creationId xmlns:a16="http://schemas.microsoft.com/office/drawing/2014/main" id="{3127D741-9DF3-48EA-B5E4-E92DF87FF8F5}"/>
-              </a:ext>
-            </a:extLst>
-          </p:cNvPr>
-          <p:cNvSpPr/>
+          <p:cNvPr id="2" name="TextBox 1">
+            <a:extLst>
+              <a:ext uri="{FF2B5EF4-FFF2-40B4-BE49-F238E27FC236}">
+                <a16:creationId xmlns:a16="http://schemas.microsoft.com/office/drawing/2014/main" id="{F13E7822-7E69-4F49-B228-62A811AFBE51}"/>
+              </a:ext>
+            </a:extLst>
+          </p:cNvPr>
+          <p:cNvSpPr txBox="1"/>
           <p:nvPr/>
         </p:nvSpPr>
         <p:spPr>
           <a:xfrm>
-            <a:off x="487951" y="3244326"/>
-            <a:ext cx="1726843" cy="1151313"/>
-          </a:xfrm>
-          <a:prstGeom prst="roundRect">
+            <a:off x="4939812" y="1195754"/>
+            <a:ext cx="2312377" cy="369332"/>
+          </a:xfrm>
+          <a:prstGeom prst="rect">
             <a:avLst/>
           </a:prstGeom>
-        </p:spPr>
-        <p:style>
-          <a:lnRef idx="2">
-            <a:schemeClr val="accent5"/>
-          </a:lnRef>
-          <a:fillRef idx="1">
-            <a:schemeClr val="lt1"/>
-          </a:fillRef>
-          <a:effectRef idx="0">
-            <a:schemeClr val="accent5"/>
-          </a:effectRef>
-          <a:fontRef idx="minor">
-            <a:schemeClr val="dk1"/>
-          </a:fontRef>
-        </p:style>
+          <a:noFill/>
+        </p:spPr>
         <p:txBody>
-          <a:bodyPr rtlCol="0" anchor="ctr"/>
+          <a:bodyPr wrap="square" rtlCol="0">
+            <a:spAutoFit/>
+          </a:bodyPr>
           <a:lstStyle/>
           <a:p>
-            <a:pPr algn="ctr"/>
-            <a:r>
-              <a:rPr lang="en-US" dirty="0"/>
-              <a:t>Postman</a:t>
-            </a:r>
-            <a:endParaRPr lang="en-IN" dirty="0"/>
+            <a:pPr marL="285750" indent="-285750">
+              <a:buFont typeface="Arial" panose="020B0604020202020204" pitchFamily="34" charset="0"/>
+              <a:buChar char="•"/>
+            </a:pPr>
+            <a:r>
+              <a:rPr lang="en-US" dirty="0">
+                <a:solidFill>
+                  <a:srgbClr val="00B0F0"/>
+                </a:solidFill>
+                <a:latin typeface="Times New Roman" panose="02020603050405020304" pitchFamily="18" charset="0"/>
+                <a:cs typeface="Times New Roman" panose="02020603050405020304" pitchFamily="18" charset="0"/>
+              </a:rPr>
+              <a:t>Sequence Diagram</a:t>
+            </a:r>
+            <a:endParaRPr lang="en-IN" dirty="0">
+              <a:solidFill>
+                <a:srgbClr val="00B0F0"/>
+              </a:solidFill>
+              <a:latin typeface="Times New Roman" panose="02020603050405020304" pitchFamily="18" charset="0"/>
+              <a:cs typeface="Times New Roman" panose="02020603050405020304" pitchFamily="18" charset="0"/>
+            </a:endParaRPr>
           </a:p>
         </p:txBody>
       </p:sp>
-      <p:sp>
-        <p:nvSpPr>
-          <p:cNvPr id="11" name="Rectangle: Rounded Corners 10">
-            <a:extLst>
-              <a:ext uri="{FF2B5EF4-FFF2-40B4-BE49-F238E27FC236}">
-                <a16:creationId xmlns:a16="http://schemas.microsoft.com/office/drawing/2014/main" id="{8C1B0F8E-E023-4C57-B0EE-F224E371CF77}"/>
-              </a:ext>
-            </a:extLst>
-          </p:cNvPr>
-          <p:cNvSpPr/>
+      <p:pic>
+        <p:nvPicPr>
+          <p:cNvPr id="7" name="Picture 6">
+            <a:extLst>
+              <a:ext uri="{FF2B5EF4-FFF2-40B4-BE49-F238E27FC236}">
+                <a16:creationId xmlns:a16="http://schemas.microsoft.com/office/drawing/2014/main" id="{3B837A57-FCDB-4895-AC66-2C92668DE65B}"/>
+              </a:ext>
+            </a:extLst>
+          </p:cNvPr>
+          <p:cNvPicPr>
+            <a:picLocks noChangeAspect="1"/>
+          </p:cNvPicPr>
           <p:nvPr/>
-        </p:nvSpPr>
+        </p:nvPicPr>
+        <p:blipFill>
+          <a:blip r:embed="rId3">
+            <a:extLst>
+              <a:ext uri="{28A0092B-C50C-407E-A947-70E740481C1C}">
+                <a14:useLocalDpi xmlns:a14="http://schemas.microsoft.com/office/drawing/2010/main" val="0"/>
+              </a:ext>
+            </a:extLst>
+          </a:blip>
+          <a:srcRect/>
+          <a:stretch/>
+        </p:blipFill>
         <p:spPr>
           <a:xfrm>
-            <a:off x="2945976" y="3276099"/>
-            <a:ext cx="1726843" cy="1151313"/>
-          </a:xfrm>
-          <a:prstGeom prst="roundRect">
+            <a:off x="2072640" y="1552172"/>
+            <a:ext cx="8046720" cy="5305828"/>
+          </a:xfrm>
+          <a:prstGeom prst="rect">
             <a:avLst/>
           </a:prstGeom>
         </p:spPr>
-        <p:style>
-          <a:lnRef idx="2">
-            <a:schemeClr val="accent3"/>
-          </a:lnRef>
-          <a:fillRef idx="1">
-            <a:schemeClr val="lt1"/>
-          </a:fillRef>
-          <a:effectRef idx="0">
-            <a:schemeClr val="accent3"/>
-          </a:effectRef>
-          <a:fontRef idx="minor">
-            <a:schemeClr val="dk1"/>
-          </a:fontRef>
-        </p:style>
-        <p:txBody>
-          <a:bodyPr rtlCol="0" anchor="ctr"/>
-          <a:lstStyle/>
-          <a:p>
-            <a:pPr algn="ctr"/>
-            <a:r>
-              <a:rPr lang="en-US" dirty="0"/>
-              <a:t>Controller </a:t>
-            </a:r>
-            <a:endParaRPr lang="en-IN" dirty="0"/>
-          </a:p>
-        </p:txBody>
-      </p:sp>
-      <p:sp>
-        <p:nvSpPr>
-          <p:cNvPr id="12" name="Rectangle: Rounded Corners 11">
-            <a:extLst>
-              <a:ext uri="{FF2B5EF4-FFF2-40B4-BE49-F238E27FC236}">
-                <a16:creationId xmlns:a16="http://schemas.microsoft.com/office/drawing/2014/main" id="{092D5A9A-C81A-4239-A08B-8DF898E59EB2}"/>
-              </a:ext>
-            </a:extLst>
-          </p:cNvPr>
-          <p:cNvSpPr/>
-          <p:nvPr/>
-        </p:nvSpPr>
-        <p:spPr>
-          <a:xfrm>
-            <a:off x="5404001" y="3276099"/>
-            <a:ext cx="1726843" cy="1151313"/>
-          </a:xfrm>
-          <a:prstGeom prst="roundRect">
-            <a:avLst/>
-          </a:prstGeom>
-        </p:spPr>
-        <p:style>
-          <a:lnRef idx="2">
-            <a:schemeClr val="accent2"/>
-          </a:lnRef>
-          <a:fillRef idx="1">
-            <a:schemeClr val="lt1"/>
-          </a:fillRef>
-          <a:effectRef idx="0">
-            <a:schemeClr val="accent2"/>
-          </a:effectRef>
-          <a:fontRef idx="minor">
-            <a:schemeClr val="dk1"/>
-          </a:fontRef>
-        </p:style>
-        <p:txBody>
-          <a:bodyPr rtlCol="0" anchor="ctr"/>
-          <a:lstStyle/>
-          <a:p>
-            <a:pPr algn="ctr"/>
-            <a:r>
-              <a:rPr lang="en-US" dirty="0"/>
-              <a:t>Service</a:t>
-            </a:r>
-            <a:endParaRPr lang="en-IN" dirty="0"/>
-          </a:p>
-        </p:txBody>
-      </p:sp>
-      <p:sp>
-        <p:nvSpPr>
-          <p:cNvPr id="13" name="Rectangle: Rounded Corners 12">
-            <a:extLst>
-              <a:ext uri="{FF2B5EF4-FFF2-40B4-BE49-F238E27FC236}">
-                <a16:creationId xmlns:a16="http://schemas.microsoft.com/office/drawing/2014/main" id="{25EE5864-891A-4A77-B861-C6FC69BC4B66}"/>
-              </a:ext>
-            </a:extLst>
-          </p:cNvPr>
-          <p:cNvSpPr/>
-          <p:nvPr/>
-        </p:nvSpPr>
-        <p:spPr>
-          <a:xfrm>
-            <a:off x="7862026" y="3276099"/>
-            <a:ext cx="1726843" cy="1151313"/>
-          </a:xfrm>
-          <a:prstGeom prst="roundRect">
-            <a:avLst/>
-          </a:prstGeom>
-        </p:spPr>
-        <p:style>
-          <a:lnRef idx="2">
-            <a:schemeClr val="dk1"/>
-          </a:lnRef>
-          <a:fillRef idx="1">
-            <a:schemeClr val="lt1"/>
-          </a:fillRef>
-          <a:effectRef idx="0">
-            <a:schemeClr val="dk1"/>
-          </a:effectRef>
-          <a:fontRef idx="minor">
-            <a:schemeClr val="dk1"/>
-          </a:fontRef>
-        </p:style>
-        <p:txBody>
-          <a:bodyPr rtlCol="0" anchor="ctr"/>
-          <a:lstStyle/>
-          <a:p>
-            <a:pPr algn="ctr"/>
-            <a:r>
-              <a:rPr lang="en-US" dirty="0"/>
-              <a:t>Repository</a:t>
-            </a:r>
-            <a:endParaRPr lang="en-IN" dirty="0"/>
-          </a:p>
-        </p:txBody>
-      </p:sp>
-      <p:sp>
-        <p:nvSpPr>
-          <p:cNvPr id="14" name="Rectangle: Rounded Corners 13">
-            <a:extLst>
-              <a:ext uri="{FF2B5EF4-FFF2-40B4-BE49-F238E27FC236}">
-                <a16:creationId xmlns:a16="http://schemas.microsoft.com/office/drawing/2014/main" id="{EE607CE0-631F-454C-B782-EECD40A56B72}"/>
-              </a:ext>
-            </a:extLst>
-          </p:cNvPr>
-          <p:cNvSpPr/>
-          <p:nvPr/>
-        </p:nvSpPr>
-        <p:spPr>
-          <a:xfrm>
-            <a:off x="7862026" y="5322839"/>
-            <a:ext cx="1726843" cy="1151313"/>
-          </a:xfrm>
-          <a:prstGeom prst="roundRect">
-            <a:avLst/>
-          </a:prstGeom>
-        </p:spPr>
-        <p:style>
-          <a:lnRef idx="2">
-            <a:schemeClr val="accent6"/>
-          </a:lnRef>
-          <a:fillRef idx="1">
-            <a:schemeClr val="lt1"/>
-          </a:fillRef>
-          <a:effectRef idx="0">
-            <a:schemeClr val="accent6"/>
-          </a:effectRef>
-          <a:fontRef idx="minor">
-            <a:schemeClr val="dk1"/>
-          </a:fontRef>
-        </p:style>
-        <p:txBody>
-          <a:bodyPr rtlCol="0" anchor="ctr"/>
-          <a:lstStyle/>
-          <a:p>
-            <a:pPr algn="ctr"/>
-            <a:r>
-              <a:rPr lang="en-US" dirty="0"/>
-              <a:t>Entity</a:t>
-            </a:r>
-            <a:endParaRPr lang="en-IN" dirty="0"/>
-          </a:p>
-        </p:txBody>
-      </p:sp>
-      <p:sp>
-        <p:nvSpPr>
-          <p:cNvPr id="15" name="Flowchart: Magnetic Disk 14">
-            <a:extLst>
-              <a:ext uri="{FF2B5EF4-FFF2-40B4-BE49-F238E27FC236}">
-                <a16:creationId xmlns:a16="http://schemas.microsoft.com/office/drawing/2014/main" id="{99D226CE-5F5B-4E7B-8234-AD5E77033BE1}"/>
-              </a:ext>
-            </a:extLst>
-          </p:cNvPr>
-          <p:cNvSpPr/>
-          <p:nvPr/>
-        </p:nvSpPr>
-        <p:spPr>
-          <a:xfrm>
-            <a:off x="10320051" y="3276099"/>
-            <a:ext cx="1168138" cy="1183086"/>
-          </a:xfrm>
-          <a:prstGeom prst="flowChartMagneticDisk">
-            <a:avLst/>
-          </a:prstGeom>
-        </p:spPr>
-        <p:style>
-          <a:lnRef idx="2">
-            <a:schemeClr val="accent1"/>
-          </a:lnRef>
-          <a:fillRef idx="1">
-            <a:schemeClr val="lt1"/>
-          </a:fillRef>
-          <a:effectRef idx="0">
-            <a:schemeClr val="accent1"/>
-          </a:effectRef>
-          <a:fontRef idx="minor">
-            <a:schemeClr val="dk1"/>
-          </a:fontRef>
-        </p:style>
-        <p:txBody>
-          <a:bodyPr rtlCol="0" anchor="ctr"/>
-          <a:lstStyle/>
-          <a:p>
-            <a:pPr algn="ctr"/>
-            <a:r>
-              <a:rPr lang="en-US" dirty="0"/>
-              <a:t>Database</a:t>
-            </a:r>
-            <a:endParaRPr lang="en-IN" dirty="0"/>
-          </a:p>
-        </p:txBody>
-      </p:sp>
-      <p:sp>
-        <p:nvSpPr>
-          <p:cNvPr id="16" name="Rectangle: Rounded Corners 15">
-            <a:extLst>
-              <a:ext uri="{FF2B5EF4-FFF2-40B4-BE49-F238E27FC236}">
-                <a16:creationId xmlns:a16="http://schemas.microsoft.com/office/drawing/2014/main" id="{BDF2124C-EA68-48C5-B65E-0052A99AF022}"/>
-              </a:ext>
-            </a:extLst>
-          </p:cNvPr>
-          <p:cNvSpPr/>
-          <p:nvPr/>
-        </p:nvSpPr>
-        <p:spPr>
-          <a:xfrm>
-            <a:off x="2945975" y="1485149"/>
-            <a:ext cx="1726843" cy="1151313"/>
-          </a:xfrm>
-          <a:prstGeom prst="roundRect">
-            <a:avLst/>
-          </a:prstGeom>
-        </p:spPr>
-        <p:style>
-          <a:lnRef idx="2">
-            <a:schemeClr val="accent4"/>
-          </a:lnRef>
-          <a:fillRef idx="1">
-            <a:schemeClr val="lt1"/>
-          </a:fillRef>
-          <a:effectRef idx="0">
-            <a:schemeClr val="accent4"/>
-          </a:effectRef>
-          <a:fontRef idx="minor">
-            <a:schemeClr val="dk1"/>
-          </a:fontRef>
-        </p:style>
-        <p:txBody>
-          <a:bodyPr rtlCol="0" anchor="ctr"/>
-          <a:lstStyle/>
-          <a:p>
-            <a:pPr algn="ctr"/>
-            <a:r>
-              <a:rPr lang="en-US" dirty="0"/>
-              <a:t>DTO Layer</a:t>
-            </a:r>
-            <a:endParaRPr lang="en-IN" dirty="0"/>
-          </a:p>
-        </p:txBody>
-      </p:sp>
-      <p:sp>
-        <p:nvSpPr>
-          <p:cNvPr id="21" name="Arrow: Left-Right 20">
-            <a:extLst>
-              <a:ext uri="{FF2B5EF4-FFF2-40B4-BE49-F238E27FC236}">
-                <a16:creationId xmlns:a16="http://schemas.microsoft.com/office/drawing/2014/main" id="{335C947D-F7F5-46AD-8D3F-634E6FB42D6E}"/>
-              </a:ext>
-            </a:extLst>
-          </p:cNvPr>
-          <p:cNvSpPr/>
-          <p:nvPr/>
-        </p:nvSpPr>
-        <p:spPr>
-          <a:xfrm>
-            <a:off x="2209692" y="3791909"/>
-            <a:ext cx="731181" cy="87923"/>
-          </a:xfrm>
-          <a:prstGeom prst="leftRightArrow">
-            <a:avLst/>
-          </a:prstGeom>
-        </p:spPr>
-        <p:style>
-          <a:lnRef idx="2">
-            <a:schemeClr val="accent6"/>
-          </a:lnRef>
-          <a:fillRef idx="1">
-            <a:schemeClr val="lt1"/>
-          </a:fillRef>
-          <a:effectRef idx="0">
-            <a:schemeClr val="accent6"/>
-          </a:effectRef>
-          <a:fontRef idx="minor">
-            <a:schemeClr val="dk1"/>
-          </a:fontRef>
-        </p:style>
-        <p:txBody>
-          <a:bodyPr rtlCol="0" anchor="ctr"/>
-          <a:lstStyle/>
-          <a:p>
-            <a:pPr algn="ctr"/>
-            <a:endParaRPr lang="en-IN"/>
-          </a:p>
-        </p:txBody>
-      </p:sp>
-      <p:sp>
-        <p:nvSpPr>
-          <p:cNvPr id="22" name="Arrow: Left-Right 21">
-            <a:extLst>
-              <a:ext uri="{FF2B5EF4-FFF2-40B4-BE49-F238E27FC236}">
-                <a16:creationId xmlns:a16="http://schemas.microsoft.com/office/drawing/2014/main" id="{C686C633-9B3D-4A58-B679-9EA8F1ACA0C4}"/>
-              </a:ext>
-            </a:extLst>
-          </p:cNvPr>
-          <p:cNvSpPr/>
-          <p:nvPr/>
-        </p:nvSpPr>
-        <p:spPr>
-          <a:xfrm>
-            <a:off x="4672820" y="3803122"/>
-            <a:ext cx="731181" cy="87923"/>
-          </a:xfrm>
-          <a:prstGeom prst="leftRightArrow">
-            <a:avLst/>
-          </a:prstGeom>
-        </p:spPr>
-        <p:style>
-          <a:lnRef idx="2">
-            <a:schemeClr val="accent6"/>
-          </a:lnRef>
-          <a:fillRef idx="1">
-            <a:schemeClr val="lt1"/>
-          </a:fillRef>
-          <a:effectRef idx="0">
-            <a:schemeClr val="accent6"/>
-          </a:effectRef>
-          <a:fontRef idx="minor">
-            <a:schemeClr val="dk1"/>
-          </a:fontRef>
-        </p:style>
-        <p:txBody>
-          <a:bodyPr rtlCol="0" anchor="ctr"/>
-          <a:lstStyle/>
-          <a:p>
-            <a:pPr algn="ctr"/>
-            <a:endParaRPr lang="en-IN"/>
-          </a:p>
-        </p:txBody>
-      </p:sp>
-      <p:sp>
-        <p:nvSpPr>
-          <p:cNvPr id="23" name="Arrow: Left-Right 22">
-            <a:extLst>
-              <a:ext uri="{FF2B5EF4-FFF2-40B4-BE49-F238E27FC236}">
-                <a16:creationId xmlns:a16="http://schemas.microsoft.com/office/drawing/2014/main" id="{AF27D9B4-3D62-4390-A72C-96708927019D}"/>
-              </a:ext>
-            </a:extLst>
-          </p:cNvPr>
-          <p:cNvSpPr/>
-          <p:nvPr/>
-        </p:nvSpPr>
-        <p:spPr>
-          <a:xfrm>
-            <a:off x="7130844" y="3823680"/>
-            <a:ext cx="731181" cy="87923"/>
-          </a:xfrm>
-          <a:prstGeom prst="leftRightArrow">
-            <a:avLst/>
-          </a:prstGeom>
-        </p:spPr>
-        <p:style>
-          <a:lnRef idx="2">
-            <a:schemeClr val="accent6"/>
-          </a:lnRef>
-          <a:fillRef idx="1">
-            <a:schemeClr val="lt1"/>
-          </a:fillRef>
-          <a:effectRef idx="0">
-            <a:schemeClr val="accent6"/>
-          </a:effectRef>
-          <a:fontRef idx="minor">
-            <a:schemeClr val="dk1"/>
-          </a:fontRef>
-        </p:style>
-        <p:txBody>
-          <a:bodyPr rtlCol="0" anchor="ctr"/>
-          <a:lstStyle/>
-          <a:p>
-            <a:pPr algn="ctr"/>
-            <a:endParaRPr lang="en-IN"/>
-          </a:p>
-        </p:txBody>
-      </p:sp>
-      <p:sp>
-        <p:nvSpPr>
-          <p:cNvPr id="26" name="Arrow: Left-Right 25">
-            <a:extLst>
-              <a:ext uri="{FF2B5EF4-FFF2-40B4-BE49-F238E27FC236}">
-                <a16:creationId xmlns:a16="http://schemas.microsoft.com/office/drawing/2014/main" id="{2944409D-7775-4536-92FC-7600938EEBAC}"/>
-              </a:ext>
-            </a:extLst>
-          </p:cNvPr>
-          <p:cNvSpPr/>
-          <p:nvPr/>
-        </p:nvSpPr>
-        <p:spPr>
-          <a:xfrm rot="5400000">
-            <a:off x="8275614" y="4831527"/>
-            <a:ext cx="895428" cy="87200"/>
-          </a:xfrm>
-          <a:prstGeom prst="leftRightArrow">
-            <a:avLst/>
-          </a:prstGeom>
-        </p:spPr>
-        <p:style>
-          <a:lnRef idx="2">
-            <a:schemeClr val="accent6"/>
-          </a:lnRef>
-          <a:fillRef idx="1">
-            <a:schemeClr val="lt1"/>
-          </a:fillRef>
-          <a:effectRef idx="0">
-            <a:schemeClr val="accent6"/>
-          </a:effectRef>
-          <a:fontRef idx="minor">
-            <a:schemeClr val="dk1"/>
-          </a:fontRef>
-        </p:style>
-        <p:txBody>
-          <a:bodyPr rtlCol="0" anchor="ctr"/>
-          <a:lstStyle/>
-          <a:p>
-            <a:pPr algn="ctr"/>
-            <a:endParaRPr lang="en-IN"/>
-          </a:p>
-        </p:txBody>
-      </p:sp>
-      <p:sp>
-        <p:nvSpPr>
-          <p:cNvPr id="27" name="Arrow: Left-Right 26">
-            <a:extLst>
-              <a:ext uri="{FF2B5EF4-FFF2-40B4-BE49-F238E27FC236}">
-                <a16:creationId xmlns:a16="http://schemas.microsoft.com/office/drawing/2014/main" id="{5D51CB40-C327-4F53-A590-BC50D65D141C}"/>
-              </a:ext>
-            </a:extLst>
-          </p:cNvPr>
-          <p:cNvSpPr/>
-          <p:nvPr/>
-        </p:nvSpPr>
-        <p:spPr>
-          <a:xfrm>
-            <a:off x="9588868" y="3823681"/>
-            <a:ext cx="731183" cy="87922"/>
-          </a:xfrm>
-          <a:prstGeom prst="leftRightArrow">
-            <a:avLst/>
-          </a:prstGeom>
-        </p:spPr>
-        <p:style>
-          <a:lnRef idx="2">
-            <a:schemeClr val="accent6"/>
-          </a:lnRef>
-          <a:fillRef idx="1">
-            <a:schemeClr val="lt1"/>
-          </a:fillRef>
-          <a:effectRef idx="0">
-            <a:schemeClr val="accent6"/>
-          </a:effectRef>
-          <a:fontRef idx="minor">
-            <a:schemeClr val="dk1"/>
-          </a:fontRef>
-        </p:style>
-        <p:txBody>
-          <a:bodyPr rtlCol="0" anchor="ctr"/>
-          <a:lstStyle/>
-          <a:p>
-            <a:pPr algn="ctr"/>
-            <a:endParaRPr lang="en-IN"/>
-          </a:p>
-        </p:txBody>
-      </p:sp>
-      <p:sp>
-        <p:nvSpPr>
-          <p:cNvPr id="28" name="Arrow: Left-Right 27">
-            <a:extLst>
-              <a:ext uri="{FF2B5EF4-FFF2-40B4-BE49-F238E27FC236}">
-                <a16:creationId xmlns:a16="http://schemas.microsoft.com/office/drawing/2014/main" id="{0F91B5E0-E5B2-417E-A46C-C948D2B17879}"/>
-              </a:ext>
-            </a:extLst>
-          </p:cNvPr>
-          <p:cNvSpPr/>
-          <p:nvPr/>
-        </p:nvSpPr>
-        <p:spPr>
-          <a:xfrm rot="5400000">
-            <a:off x="3455617" y="2895007"/>
-            <a:ext cx="639636" cy="122547"/>
-          </a:xfrm>
-          <a:prstGeom prst="leftRightArrow">
-            <a:avLst/>
-          </a:prstGeom>
-        </p:spPr>
-        <p:style>
-          <a:lnRef idx="2">
-            <a:schemeClr val="accent6"/>
-          </a:lnRef>
-          <a:fillRef idx="1">
-            <a:schemeClr val="lt1"/>
-          </a:fillRef>
-          <a:effectRef idx="0">
-            <a:schemeClr val="accent6"/>
-          </a:effectRef>
-          <a:fontRef idx="minor">
-            <a:schemeClr val="dk1"/>
-          </a:fontRef>
-        </p:style>
-        <p:txBody>
-          <a:bodyPr rtlCol="0" anchor="ctr"/>
-          <a:lstStyle/>
-          <a:p>
-            <a:pPr algn="ctr"/>
-            <a:endParaRPr lang="en-IN"/>
-          </a:p>
-        </p:txBody>
-      </p:sp>
+      </p:pic>
     </p:spTree>
     <p:extLst>
       <p:ext uri="{BB962C8B-B14F-4D97-AF65-F5344CB8AC3E}">
-        <p14:creationId xmlns:p14="http://schemas.microsoft.com/office/powerpoint/2010/main" val="503207019"/>
+        <p14:creationId xmlns:p14="http://schemas.microsoft.com/office/powerpoint/2010/main" val="2657851354"/>
       </p:ext>
     </p:extLst>
   </p:cSld>
@@ -9338,7 +8789,7 @@
           </a:bodyPr>
           <a:lstStyle/>
           <a:p>
-            <a:pPr algn="l">
+            <a:pPr marL="285750" indent="-285750" algn="l">
               <a:lnSpc>
                 <a:spcPct val="150000"/>
               </a:lnSpc>
@@ -9355,7 +8806,7 @@
             </a:r>
           </a:p>
           <a:p>
-            <a:pPr algn="l">
+            <a:pPr marL="285750" indent="-285750" algn="l">
               <a:lnSpc>
                 <a:spcPct val="150000"/>
               </a:lnSpc>
@@ -9372,7 +8823,7 @@
             </a:r>
           </a:p>
           <a:p>
-            <a:pPr algn="l">
+            <a:pPr marL="285750" indent="-285750" algn="l">
               <a:lnSpc>
                 <a:spcPct val="150000"/>
               </a:lnSpc>
@@ -9389,7 +8840,7 @@
             </a:r>
           </a:p>
           <a:p>
-            <a:pPr algn="l">
+            <a:pPr marL="285750" indent="-285750" algn="l">
               <a:lnSpc>
                 <a:spcPct val="150000"/>
               </a:lnSpc>
@@ -9397,24 +8848,16 @@
               <a:buChar char="•"/>
             </a:pPr>
             <a:r>
-              <a:rPr lang="en-IN" b="0" i="0" dirty="0" err="1">
-                <a:effectLst/>
-                <a:latin typeface="Times New Roman" panose="02020603050405020304" pitchFamily="18" charset="0"/>
-                <a:cs typeface="Times New Roman" panose="02020603050405020304" pitchFamily="18" charset="0"/>
-              </a:rPr>
-              <a:t>RestController</a:t>
-            </a:r>
-            <a:r>
               <a:rPr lang="en-IN" b="0" i="0" dirty="0">
                 <a:effectLst/>
                 <a:latin typeface="Times New Roman" panose="02020603050405020304" pitchFamily="18" charset="0"/>
                 <a:cs typeface="Times New Roman" panose="02020603050405020304" pitchFamily="18" charset="0"/>
               </a:rPr>
-              <a:t>: A class in Spring MVC for handling HTTP requests and returning JSON data.</a:t>
-            </a:r>
-          </a:p>
-          <a:p>
-            <a:pPr algn="l">
+              <a:t>RestController: A class in Spring for handling HTTP requests and returning JSON data.</a:t>
+            </a:r>
+          </a:p>
+          <a:p>
+            <a:pPr marL="285750" indent="-285750" algn="l">
               <a:lnSpc>
                 <a:spcPct val="150000"/>
               </a:lnSpc>
@@ -9551,12 +8994,8 @@
                 <a:cs typeface="Times New Roman" panose="02020603050405020304" pitchFamily="18" charset="0"/>
                 <a:sym typeface="+mn-ea"/>
               </a:rPr>
-              <a:t>Web Service(Built using Gradle)</a:t>
-            </a:r>
-            <a:endParaRPr lang="en-US" sz="1800" dirty="0">
-              <a:latin typeface="Times New Roman" panose="02020603050405020304" pitchFamily="18" charset="0"/>
-              <a:cs typeface="Times New Roman" panose="02020603050405020304" pitchFamily="18" charset="0"/>
-            </a:endParaRPr>
+              <a:t>Web Service</a:t>
+            </a:r>
           </a:p>
           <a:p>
             <a:pPr marL="285750" indent="-285750" algn="just">
@@ -9572,7 +9011,7 @@
                 <a:cs typeface="Times New Roman" panose="02020603050405020304" pitchFamily="18" charset="0"/>
                 <a:sym typeface="+mn-ea"/>
               </a:rPr>
-              <a:t>Client Web Service(Built using Gradle)</a:t>
+              <a:t>Client Web Service</a:t>
             </a:r>
             <a:endParaRPr lang="en-US" sz="1800" dirty="0">
               <a:latin typeface="Times New Roman" panose="02020603050405020304" pitchFamily="18" charset="0"/>
@@ -9822,6 +9261,9 @@
             </a:pPr>
             <a:r>
               <a:rPr lang="en-US" b="0" i="0" dirty="0">
+                <a:solidFill>
+                  <a:srgbClr val="00B0F0"/>
+                </a:solidFill>
                 <a:effectLst/>
                 <a:latin typeface="Times New Roman" panose="02020603050405020304" pitchFamily="18" charset="0"/>
                 <a:cs typeface="Times New Roman" panose="02020603050405020304" pitchFamily="18" charset="0"/>
@@ -9890,6 +9332,9 @@
             </a:pPr>
             <a:r>
               <a:rPr lang="en-US" b="0" i="0" dirty="0">
+                <a:solidFill>
+                  <a:srgbClr val="00B0F0"/>
+                </a:solidFill>
                 <a:effectLst/>
                 <a:latin typeface="Times New Roman" panose="02020603050405020304" pitchFamily="18" charset="0"/>
                 <a:cs typeface="Times New Roman" panose="02020603050405020304" pitchFamily="18" charset="0"/>
@@ -9940,20 +9385,12 @@
               <a:buChar char="•"/>
             </a:pPr>
             <a:r>
-              <a:rPr lang="en-US" b="0" i="0" dirty="0" err="1">
-                <a:effectLst/>
-                <a:latin typeface="Times New Roman" panose="02020603050405020304" pitchFamily="18" charset="0"/>
-                <a:cs typeface="Times New Roman" panose="02020603050405020304" pitchFamily="18" charset="0"/>
-              </a:rPr>
-              <a:t>cURL</a:t>
-            </a:r>
-            <a:r>
               <a:rPr lang="en-US" b="0" i="0" dirty="0">
                 <a:effectLst/>
                 <a:latin typeface="Times New Roman" panose="02020603050405020304" pitchFamily="18" charset="0"/>
                 <a:cs typeface="Times New Roman" panose="02020603050405020304" pitchFamily="18" charset="0"/>
               </a:rPr>
-              <a:t> is a command-line tool used for sending HTTP requests and retrieving responses.</a:t>
+              <a:t>CURL is a command-line tool used for sending HTTP requests and retrieving responses.</a:t>
             </a:r>
           </a:p>
         </p:txBody>
